--- a/2016184041 프로젝트 설명서.pptx
+++ b/2016184041 프로젝트 설명서.pptx
@@ -15,6 +15,9 @@
     <p:sldId id="264" r:id="rId9"/>
     <p:sldId id="259" r:id="rId10"/>
     <p:sldId id="258" r:id="rId11"/>
+    <p:sldId id="268" r:id="rId12"/>
+    <p:sldId id="269" r:id="rId13"/>
+    <p:sldId id="270" r:id="rId14"/>
   </p:sldIdLst>
   <p:sldSz cx="12192000" cy="6858000"/>
   <p:notesSz cx="6858000" cy="9144000"/>
@@ -3870,6 +3873,595 @@
 </p:sld>
 </file>
 
+<file path=ppt/slides/slide11.xml><?xml version="1.0" encoding="utf-8"?>
+<p:sld xmlns:a="http://schemas.openxmlformats.org/drawingml/2006/main" xmlns:r="http://schemas.openxmlformats.org/officeDocument/2006/relationships" xmlns:p="http://schemas.openxmlformats.org/presentationml/2006/main">
+  <p:cSld>
+    <p:spTree>
+      <p:nvGrpSpPr>
+        <p:cNvPr id="1" name=""/>
+        <p:cNvGrpSpPr/>
+        <p:nvPr/>
+      </p:nvGrpSpPr>
+      <p:grpSpPr>
+        <a:xfrm>
+          <a:off x="0" y="0"/>
+          <a:ext cx="0" cy="0"/>
+          <a:chOff x="0" y="0"/>
+          <a:chExt cx="0" cy="0"/>
+        </a:xfrm>
+      </p:grpSpPr>
+      <p:sp>
+        <p:nvSpPr>
+          <p:cNvPr id="2" name="제목 1">
+            <a:extLst>
+              <a:ext uri="{FF2B5EF4-FFF2-40B4-BE49-F238E27FC236}">
+                <a16:creationId xmlns:a16="http://schemas.microsoft.com/office/drawing/2014/main" id="{267BB365-535E-4441-8F6B-C0CB20122543}"/>
+              </a:ext>
+            </a:extLst>
+          </p:cNvPr>
+          <p:cNvSpPr>
+            <a:spLocks noGrp="1"/>
+          </p:cNvSpPr>
+          <p:nvPr>
+            <p:ph type="title"/>
+          </p:nvPr>
+        </p:nvSpPr>
+        <p:spPr/>
+        <p:txBody>
+          <a:bodyPr/>
+          <a:lstStyle/>
+          <a:p>
+            <a:r>
+              <a:rPr lang="ko-KR" altLang="en-US" dirty="0"/>
+              <a:t>실행 방법</a:t>
+            </a:r>
+            <a:r>
+              <a:rPr lang="en-US" altLang="ko-KR" dirty="0"/>
+              <a:t>.</a:t>
+            </a:r>
+            <a:endParaRPr lang="ko-KR" altLang="en-US" dirty="0"/>
+          </a:p>
+        </p:txBody>
+      </p:sp>
+      <p:pic>
+        <p:nvPicPr>
+          <p:cNvPr id="4" name="내용 개체 틀 3">
+            <a:extLst>
+              <a:ext uri="{FF2B5EF4-FFF2-40B4-BE49-F238E27FC236}">
+                <a16:creationId xmlns:a16="http://schemas.microsoft.com/office/drawing/2014/main" id="{8D28F074-8FD9-4BDB-A6D9-990875CF3C37}"/>
+              </a:ext>
+            </a:extLst>
+          </p:cNvPr>
+          <p:cNvPicPr>
+            <a:picLocks noGrp="1" noChangeAspect="1"/>
+          </p:cNvPicPr>
+          <p:nvPr>
+            <p:ph idx="1"/>
+          </p:nvPr>
+        </p:nvPicPr>
+        <p:blipFill>
+          <a:blip r:embed="rId2"/>
+          <a:stretch>
+            <a:fillRect/>
+          </a:stretch>
+        </p:blipFill>
+        <p:spPr>
+          <a:xfrm>
+            <a:off x="667126" y="1504672"/>
+            <a:ext cx="5154961" cy="1325562"/>
+          </a:xfrm>
+          <a:prstGeom prst="rect">
+            <a:avLst/>
+          </a:prstGeom>
+        </p:spPr>
+      </p:pic>
+      <p:sp>
+        <p:nvSpPr>
+          <p:cNvPr id="6" name="TextBox 5">
+            <a:extLst>
+              <a:ext uri="{FF2B5EF4-FFF2-40B4-BE49-F238E27FC236}">
+                <a16:creationId xmlns:a16="http://schemas.microsoft.com/office/drawing/2014/main" id="{FA4984D6-BF53-4AE5-A04F-002E2A47EB41}"/>
+              </a:ext>
+            </a:extLst>
+          </p:cNvPr>
+          <p:cNvSpPr txBox="1"/>
+          <p:nvPr/>
+        </p:nvSpPr>
+        <p:spPr>
+          <a:xfrm>
+            <a:off x="950614" y="3060071"/>
+            <a:ext cx="7116024" cy="369332"/>
+          </a:xfrm>
+          <a:prstGeom prst="rect">
+            <a:avLst/>
+          </a:prstGeom>
+          <a:noFill/>
+        </p:spPr>
+        <p:txBody>
+          <a:bodyPr wrap="square" rtlCol="0">
+            <a:spAutoFit/>
+          </a:bodyPr>
+          <a:lstStyle/>
+          <a:p>
+            <a:r>
+              <a:rPr lang="en-US" altLang="ko-KR" dirty="0" err="1"/>
+              <a:t>Executbale</a:t>
+            </a:r>
+            <a:r>
+              <a:rPr lang="en-US" altLang="ko-KR" dirty="0"/>
+              <a:t> </a:t>
+            </a:r>
+            <a:r>
+              <a:rPr lang="ko-KR" altLang="en-US" dirty="0"/>
+              <a:t>폴더에 서버 </a:t>
+            </a:r>
+            <a:r>
+              <a:rPr lang="ko-KR" altLang="en-US" dirty="0" err="1"/>
+              <a:t>클라</a:t>
+            </a:r>
+            <a:r>
+              <a:rPr lang="ko-KR" altLang="en-US" dirty="0"/>
+              <a:t> 실행 파일이 들어 있다</a:t>
+            </a:r>
+            <a:r>
+              <a:rPr lang="en-US" altLang="ko-KR" dirty="0"/>
+              <a:t>.</a:t>
+            </a:r>
+            <a:endParaRPr lang="ko-KR" altLang="en-US" dirty="0"/>
+          </a:p>
+        </p:txBody>
+      </p:sp>
+      <p:pic>
+        <p:nvPicPr>
+          <p:cNvPr id="7" name="그림 6">
+            <a:extLst>
+              <a:ext uri="{FF2B5EF4-FFF2-40B4-BE49-F238E27FC236}">
+                <a16:creationId xmlns:a16="http://schemas.microsoft.com/office/drawing/2014/main" id="{435FAAAC-E730-461E-B91B-68DA147FC752}"/>
+              </a:ext>
+            </a:extLst>
+          </p:cNvPr>
+          <p:cNvPicPr>
+            <a:picLocks noChangeAspect="1"/>
+          </p:cNvPicPr>
+          <p:nvPr/>
+        </p:nvPicPr>
+        <p:blipFill>
+          <a:blip r:embed="rId3"/>
+          <a:stretch>
+            <a:fillRect/>
+          </a:stretch>
+        </p:blipFill>
+        <p:spPr>
+          <a:xfrm>
+            <a:off x="649728" y="3801114"/>
+            <a:ext cx="9952728" cy="1192420"/>
+          </a:xfrm>
+          <a:prstGeom prst="rect">
+            <a:avLst/>
+          </a:prstGeom>
+        </p:spPr>
+      </p:pic>
+    </p:spTree>
+    <p:extLst>
+      <p:ext uri="{BB962C8B-B14F-4D97-AF65-F5344CB8AC3E}">
+        <p14:creationId xmlns:p14="http://schemas.microsoft.com/office/powerpoint/2010/main" val="3219374188"/>
+      </p:ext>
+    </p:extLst>
+  </p:cSld>
+  <p:clrMapOvr>
+    <a:masterClrMapping/>
+  </p:clrMapOvr>
+</p:sld>
+</file>
+
+<file path=ppt/slides/slide12.xml><?xml version="1.0" encoding="utf-8"?>
+<p:sld xmlns:a="http://schemas.openxmlformats.org/drawingml/2006/main" xmlns:r="http://schemas.openxmlformats.org/officeDocument/2006/relationships" xmlns:p="http://schemas.openxmlformats.org/presentationml/2006/main">
+  <p:cSld>
+    <p:spTree>
+      <p:nvGrpSpPr>
+        <p:cNvPr id="1" name=""/>
+        <p:cNvGrpSpPr/>
+        <p:nvPr/>
+      </p:nvGrpSpPr>
+      <p:grpSpPr>
+        <a:xfrm>
+          <a:off x="0" y="0"/>
+          <a:ext cx="0" cy="0"/>
+          <a:chOff x="0" y="0"/>
+          <a:chExt cx="0" cy="0"/>
+        </a:xfrm>
+      </p:grpSpPr>
+      <p:sp>
+        <p:nvSpPr>
+          <p:cNvPr id="2" name="제목 1">
+            <a:extLst>
+              <a:ext uri="{FF2B5EF4-FFF2-40B4-BE49-F238E27FC236}">
+                <a16:creationId xmlns:a16="http://schemas.microsoft.com/office/drawing/2014/main" id="{98EDDF7F-FF75-4E60-9A19-172ADBA782B1}"/>
+              </a:ext>
+            </a:extLst>
+          </p:cNvPr>
+          <p:cNvSpPr>
+            <a:spLocks noGrp="1"/>
+          </p:cNvSpPr>
+          <p:nvPr>
+            <p:ph type="title"/>
+          </p:nvPr>
+        </p:nvSpPr>
+        <p:spPr/>
+        <p:txBody>
+          <a:bodyPr/>
+          <a:lstStyle/>
+          <a:p>
+            <a:r>
+              <a:rPr lang="ko-KR" altLang="en-US" dirty="0" err="1"/>
+              <a:t>클라</a:t>
+            </a:r>
+            <a:r>
+              <a:rPr lang="ko-KR" altLang="en-US" dirty="0"/>
+              <a:t> 실행</a:t>
+            </a:r>
+            <a:r>
+              <a:rPr lang="en-US" altLang="ko-KR" dirty="0"/>
+              <a:t>.					</a:t>
+            </a:r>
+            <a:r>
+              <a:rPr lang="ko-KR" altLang="en-US" dirty="0"/>
+              <a:t>서버 실행</a:t>
+            </a:r>
+            <a:r>
+              <a:rPr lang="en-US" altLang="ko-KR" dirty="0"/>
+              <a:t>.</a:t>
+            </a:r>
+            <a:endParaRPr lang="ko-KR" altLang="en-US" dirty="0"/>
+          </a:p>
+        </p:txBody>
+      </p:sp>
+      <p:sp>
+        <p:nvSpPr>
+          <p:cNvPr id="3" name="내용 개체 틀 2">
+            <a:extLst>
+              <a:ext uri="{FF2B5EF4-FFF2-40B4-BE49-F238E27FC236}">
+                <a16:creationId xmlns:a16="http://schemas.microsoft.com/office/drawing/2014/main" id="{42B3F8AD-0B43-46F8-922C-21653C3C9CF4}"/>
+              </a:ext>
+            </a:extLst>
+          </p:cNvPr>
+          <p:cNvSpPr>
+            <a:spLocks noGrp="1"/>
+          </p:cNvSpPr>
+          <p:nvPr>
+            <p:ph idx="1"/>
+          </p:nvPr>
+        </p:nvSpPr>
+        <p:spPr/>
+        <p:txBody>
+          <a:bodyPr/>
+          <a:lstStyle/>
+          <a:p>
+            <a:endParaRPr lang="ko-KR" altLang="en-US" dirty="0"/>
+          </a:p>
+        </p:txBody>
+      </p:sp>
+      <p:pic>
+        <p:nvPicPr>
+          <p:cNvPr id="4" name="그림 3">
+            <a:extLst>
+              <a:ext uri="{FF2B5EF4-FFF2-40B4-BE49-F238E27FC236}">
+                <a16:creationId xmlns:a16="http://schemas.microsoft.com/office/drawing/2014/main" id="{DE3830C2-0D44-4A11-8424-0CDB067C5255}"/>
+              </a:ext>
+            </a:extLst>
+          </p:cNvPr>
+          <p:cNvPicPr>
+            <a:picLocks noChangeAspect="1"/>
+          </p:cNvPicPr>
+          <p:nvPr/>
+        </p:nvPicPr>
+        <p:blipFill>
+          <a:blip r:embed="rId2"/>
+          <a:stretch>
+            <a:fillRect/>
+          </a:stretch>
+        </p:blipFill>
+        <p:spPr>
+          <a:xfrm>
+            <a:off x="838200" y="1961945"/>
+            <a:ext cx="4086795" cy="1467055"/>
+          </a:xfrm>
+          <a:prstGeom prst="rect">
+            <a:avLst/>
+          </a:prstGeom>
+        </p:spPr>
+      </p:pic>
+      <p:pic>
+        <p:nvPicPr>
+          <p:cNvPr id="5" name="그림 4">
+            <a:extLst>
+              <a:ext uri="{FF2B5EF4-FFF2-40B4-BE49-F238E27FC236}">
+                <a16:creationId xmlns:a16="http://schemas.microsoft.com/office/drawing/2014/main" id="{967DA5D6-DB7B-48AB-B6DC-431D80E0ADE9}"/>
+              </a:ext>
+            </a:extLst>
+          </p:cNvPr>
+          <p:cNvPicPr>
+            <a:picLocks noChangeAspect="1"/>
+          </p:cNvPicPr>
+          <p:nvPr/>
+        </p:nvPicPr>
+        <p:blipFill>
+          <a:blip r:embed="rId3"/>
+          <a:stretch>
+            <a:fillRect/>
+          </a:stretch>
+        </p:blipFill>
+        <p:spPr>
+          <a:xfrm>
+            <a:off x="6945536" y="1825625"/>
+            <a:ext cx="4296375" cy="1371791"/>
+          </a:xfrm>
+          <a:prstGeom prst="rect">
+            <a:avLst/>
+          </a:prstGeom>
+        </p:spPr>
+      </p:pic>
+    </p:spTree>
+    <p:extLst>
+      <p:ext uri="{BB962C8B-B14F-4D97-AF65-F5344CB8AC3E}">
+        <p14:creationId xmlns:p14="http://schemas.microsoft.com/office/powerpoint/2010/main" val="50979876"/>
+      </p:ext>
+    </p:extLst>
+  </p:cSld>
+  <p:clrMapOvr>
+    <a:masterClrMapping/>
+  </p:clrMapOvr>
+</p:sld>
+</file>
+
+<file path=ppt/slides/slide13.xml><?xml version="1.0" encoding="utf-8"?>
+<p:sld xmlns:a="http://schemas.openxmlformats.org/drawingml/2006/main" xmlns:r="http://schemas.openxmlformats.org/officeDocument/2006/relationships" xmlns:p="http://schemas.openxmlformats.org/presentationml/2006/main">
+  <p:cSld>
+    <p:spTree>
+      <p:nvGrpSpPr>
+        <p:cNvPr id="1" name=""/>
+        <p:cNvGrpSpPr/>
+        <p:nvPr/>
+      </p:nvGrpSpPr>
+      <p:grpSpPr>
+        <a:xfrm>
+          <a:off x="0" y="0"/>
+          <a:ext cx="0" cy="0"/>
+          <a:chOff x="0" y="0"/>
+          <a:chExt cx="0" cy="0"/>
+        </a:xfrm>
+      </p:grpSpPr>
+      <p:sp>
+        <p:nvSpPr>
+          <p:cNvPr id="2" name="제목 1">
+            <a:extLst>
+              <a:ext uri="{FF2B5EF4-FFF2-40B4-BE49-F238E27FC236}">
+                <a16:creationId xmlns:a16="http://schemas.microsoft.com/office/drawing/2014/main" id="{3E03946D-D5CD-4364-A645-88FAF8477696}"/>
+              </a:ext>
+            </a:extLst>
+          </p:cNvPr>
+          <p:cNvSpPr>
+            <a:spLocks noGrp="1"/>
+          </p:cNvSpPr>
+          <p:nvPr>
+            <p:ph type="title"/>
+          </p:nvPr>
+        </p:nvSpPr>
+        <p:spPr/>
+        <p:txBody>
+          <a:bodyPr/>
+          <a:lstStyle/>
+          <a:p>
+            <a:r>
+              <a:rPr lang="en-US" altLang="ko-KR" dirty="0"/>
+              <a:t>IP, Port </a:t>
+            </a:r>
+            <a:r>
+              <a:rPr lang="ko-KR" altLang="en-US" dirty="0" err="1"/>
+              <a:t>변경시</a:t>
+            </a:r>
+            <a:endParaRPr lang="ko-KR" altLang="en-US" dirty="0"/>
+          </a:p>
+        </p:txBody>
+      </p:sp>
+      <p:sp>
+        <p:nvSpPr>
+          <p:cNvPr id="3" name="내용 개체 틀 2">
+            <a:extLst>
+              <a:ext uri="{FF2B5EF4-FFF2-40B4-BE49-F238E27FC236}">
+                <a16:creationId xmlns:a16="http://schemas.microsoft.com/office/drawing/2014/main" id="{0BAE2201-C6CD-4F5D-BE11-AB1D148032E6}"/>
+              </a:ext>
+            </a:extLst>
+          </p:cNvPr>
+          <p:cNvSpPr>
+            <a:spLocks noGrp="1"/>
+          </p:cNvSpPr>
+          <p:nvPr>
+            <p:ph idx="1"/>
+          </p:nvPr>
+        </p:nvSpPr>
+        <p:spPr>
+          <a:xfrm>
+            <a:off x="838200" y="1825625"/>
+            <a:ext cx="11353800" cy="4351338"/>
+          </a:xfrm>
+        </p:spPr>
+        <p:txBody>
+          <a:bodyPr/>
+          <a:lstStyle/>
+          <a:p>
+            <a:r>
+              <a:rPr lang="ko-KR" altLang="en-US" dirty="0"/>
+              <a:t>서버의 경우 </a:t>
+            </a:r>
+            <a:r>
+              <a:rPr lang="en-US" altLang="ko-KR" dirty="0" err="1"/>
+              <a:t>config.json</a:t>
+            </a:r>
+            <a:r>
+              <a:rPr lang="ko-KR" altLang="en-US" dirty="0"/>
+              <a:t> 밑에 해당 항목을 수정</a:t>
+            </a:r>
+            <a:r>
+              <a:rPr lang="en-US" altLang="ko-KR" dirty="0"/>
+              <a:t>.</a:t>
+            </a:r>
+          </a:p>
+          <a:p>
+            <a:endParaRPr lang="en-US" altLang="ko-KR" dirty="0"/>
+          </a:p>
+          <a:p>
+            <a:endParaRPr lang="en-US" altLang="ko-KR" dirty="0"/>
+          </a:p>
+          <a:p>
+            <a:endParaRPr lang="en-US" altLang="ko-KR" dirty="0"/>
+          </a:p>
+          <a:p>
+            <a:r>
+              <a:rPr lang="ko-KR" altLang="en-US" dirty="0"/>
+              <a:t>클라이언트의 경우</a:t>
+            </a:r>
+            <a:r>
+              <a:rPr lang="en-US" altLang="ko-KR" dirty="0"/>
+              <a:t>.                                 </a:t>
+            </a:r>
+            <a:r>
+              <a:rPr lang="ko-KR" altLang="en-US" dirty="0"/>
+              <a:t>폴더의 </a:t>
+            </a:r>
+            <a:endParaRPr lang="en-US" altLang="ko-KR" dirty="0"/>
+          </a:p>
+          <a:p>
+            <a:pPr marL="0" indent="0">
+              <a:buNone/>
+            </a:pPr>
+            <a:r>
+              <a:rPr lang="en-US" altLang="ko-KR" dirty="0"/>
+              <a:t>serverConfig.txt </a:t>
+            </a:r>
+            <a:r>
+              <a:rPr lang="ko-KR" altLang="en-US" dirty="0"/>
+              <a:t>해당 항목 수정</a:t>
+            </a:r>
+            <a:r>
+              <a:rPr lang="en-US" altLang="ko-KR" dirty="0"/>
+              <a:t>.</a:t>
+            </a:r>
+          </a:p>
+          <a:p>
+            <a:pPr marL="0" indent="0">
+              <a:buNone/>
+            </a:pPr>
+            <a:endParaRPr lang="en-US" altLang="ko-KR" dirty="0"/>
+          </a:p>
+          <a:p>
+            <a:endParaRPr lang="ko-KR" altLang="en-US" dirty="0"/>
+          </a:p>
+        </p:txBody>
+      </p:sp>
+      <p:pic>
+        <p:nvPicPr>
+          <p:cNvPr id="4" name="그림 3">
+            <a:extLst>
+              <a:ext uri="{FF2B5EF4-FFF2-40B4-BE49-F238E27FC236}">
+                <a16:creationId xmlns:a16="http://schemas.microsoft.com/office/drawing/2014/main" id="{0CA97700-5719-4AEE-BA19-C2891A75B8B7}"/>
+              </a:ext>
+            </a:extLst>
+          </p:cNvPr>
+          <p:cNvPicPr>
+            <a:picLocks noChangeAspect="1"/>
+          </p:cNvPicPr>
+          <p:nvPr/>
+        </p:nvPicPr>
+        <p:blipFill>
+          <a:blip r:embed="rId2"/>
+          <a:stretch>
+            <a:fillRect/>
+          </a:stretch>
+        </p:blipFill>
+        <p:spPr>
+          <a:xfrm>
+            <a:off x="1027820" y="2281304"/>
+            <a:ext cx="6287380" cy="1374449"/>
+          </a:xfrm>
+          <a:prstGeom prst="rect">
+            <a:avLst/>
+          </a:prstGeom>
+        </p:spPr>
+      </p:pic>
+      <p:pic>
+        <p:nvPicPr>
+          <p:cNvPr id="5" name="그림 4">
+            <a:extLst>
+              <a:ext uri="{FF2B5EF4-FFF2-40B4-BE49-F238E27FC236}">
+                <a16:creationId xmlns:a16="http://schemas.microsoft.com/office/drawing/2014/main" id="{922F3008-D3F1-4EDB-8F02-CD57796820A0}"/>
+              </a:ext>
+            </a:extLst>
+          </p:cNvPr>
+          <p:cNvPicPr>
+            <a:picLocks noChangeAspect="1"/>
+          </p:cNvPicPr>
+          <p:nvPr/>
+        </p:nvPicPr>
+        <p:blipFill>
+          <a:blip r:embed="rId3"/>
+          <a:stretch>
+            <a:fillRect/>
+          </a:stretch>
+        </p:blipFill>
+        <p:spPr>
+          <a:xfrm>
+            <a:off x="4342472" y="3810767"/>
+            <a:ext cx="3770917" cy="525563"/>
+          </a:xfrm>
+          <a:prstGeom prst="rect">
+            <a:avLst/>
+          </a:prstGeom>
+        </p:spPr>
+      </p:pic>
+      <p:pic>
+        <p:nvPicPr>
+          <p:cNvPr id="6" name="그림 5">
+            <a:extLst>
+              <a:ext uri="{FF2B5EF4-FFF2-40B4-BE49-F238E27FC236}">
+                <a16:creationId xmlns:a16="http://schemas.microsoft.com/office/drawing/2014/main" id="{77BD6E40-9D48-43EB-9194-52DC9A06DFD6}"/>
+              </a:ext>
+            </a:extLst>
+          </p:cNvPr>
+          <p:cNvPicPr>
+            <a:picLocks noChangeAspect="1"/>
+          </p:cNvPicPr>
+          <p:nvPr/>
+        </p:nvPicPr>
+        <p:blipFill>
+          <a:blip r:embed="rId4"/>
+          <a:stretch>
+            <a:fillRect/>
+          </a:stretch>
+        </p:blipFill>
+        <p:spPr>
+          <a:xfrm>
+            <a:off x="838199" y="4969720"/>
+            <a:ext cx="3884629" cy="1871685"/>
+          </a:xfrm>
+          <a:prstGeom prst="rect">
+            <a:avLst/>
+          </a:prstGeom>
+        </p:spPr>
+      </p:pic>
+    </p:spTree>
+    <p:extLst>
+      <p:ext uri="{BB962C8B-B14F-4D97-AF65-F5344CB8AC3E}">
+        <p14:creationId xmlns:p14="http://schemas.microsoft.com/office/powerpoint/2010/main" val="80971522"/>
+      </p:ext>
+    </p:extLst>
+  </p:cSld>
+  <p:clrMapOvr>
+    <a:masterClrMapping/>
+  </p:clrMapOvr>
+</p:sld>
+</file>
+
 <file path=ppt/slides/slide2.xml><?xml version="1.0" encoding="utf-8"?>
 <p:sld xmlns:a="http://schemas.openxmlformats.org/drawingml/2006/main" xmlns:r="http://schemas.openxmlformats.org/officeDocument/2006/relationships" xmlns:p="http://schemas.openxmlformats.org/presentationml/2006/main">
   <p:cSld>
@@ -3994,6 +4586,27 @@
             <a:r>
               <a:rPr lang="ko-KR" altLang="en-US" sz="2800" dirty="0"/>
               <a:t>부하 테스트 결과</a:t>
+            </a:r>
+            <a:r>
+              <a:rPr lang="en-US" altLang="ko-KR" sz="2800" dirty="0"/>
+              <a:t>.</a:t>
+            </a:r>
+          </a:p>
+          <a:p>
+            <a:endParaRPr lang="en-US" altLang="ko-KR" sz="2800" dirty="0"/>
+          </a:p>
+          <a:p>
+            <a:r>
+              <a:rPr lang="en-US" altLang="ko-KR" sz="2800" dirty="0"/>
+              <a:t>3. </a:t>
+            </a:r>
+            <a:r>
+              <a:rPr lang="ko-KR" altLang="en-US" sz="2800" dirty="0"/>
+              <a:t>실행 방법</a:t>
+            </a:r>
+            <a:r>
+              <a:rPr lang="en-US" altLang="ko-KR" sz="2800" dirty="0"/>
+              <a:t>.</a:t>
             </a:r>
             <a:endParaRPr lang="en-US" altLang="ko-KR" sz="3100" dirty="0"/>
           </a:p>
@@ -4374,7 +4987,7 @@
         </p:nvSpPr>
         <p:spPr>
           <a:xfrm>
-            <a:off x="1382597" y="3372978"/>
+            <a:off x="1382597" y="2982821"/>
             <a:ext cx="9426806" cy="1424410"/>
           </a:xfrm>
         </p:spPr>
@@ -7393,7 +8006,7 @@
         </p:nvSpPr>
         <p:spPr>
           <a:xfrm>
-            <a:off x="1382597" y="4797388"/>
+            <a:off x="1382597" y="4356186"/>
             <a:ext cx="10515600" cy="4706382"/>
           </a:xfrm>
           <a:prstGeom prst="rect">
@@ -7674,7 +8287,23 @@
             </a:r>
             <a:r>
               <a:rPr lang="ko-KR" altLang="en-US" dirty="0"/>
-              <a:t>초 이후 </a:t>
+              <a:t>초 이후 부활</a:t>
+            </a:r>
+            <a:r>
+              <a:rPr lang="en-US" altLang="ko-KR" dirty="0"/>
+              <a:t>, </a:t>
+            </a:r>
+            <a:r>
+              <a:rPr lang="ko-KR" altLang="en-US" dirty="0"/>
+              <a:t>경험치 절반</a:t>
+            </a:r>
+            <a:r>
+              <a:rPr lang="en-US" altLang="ko-KR" dirty="0"/>
+              <a:t>. </a:t>
+            </a:r>
+            <a:r>
+              <a:rPr lang="ko-KR" altLang="en-US" dirty="0"/>
+              <a:t>안전지역에서 부활 </a:t>
             </a:r>
             <a:r>
               <a:rPr lang="en-US" altLang="ko-KR" dirty="0"/>

--- a/2016184041 프로젝트 설명서.pptx
+++ b/2016184041 프로젝트 설명서.pptx
@@ -11,13 +11,14 @@
     <p:sldId id="267" r:id="rId5"/>
     <p:sldId id="266" r:id="rId6"/>
     <p:sldId id="263" r:id="rId7"/>
-    <p:sldId id="261" r:id="rId8"/>
-    <p:sldId id="264" r:id="rId9"/>
-    <p:sldId id="259" r:id="rId10"/>
-    <p:sldId id="258" r:id="rId11"/>
-    <p:sldId id="268" r:id="rId12"/>
-    <p:sldId id="269" r:id="rId13"/>
-    <p:sldId id="270" r:id="rId14"/>
+    <p:sldId id="271" r:id="rId8"/>
+    <p:sldId id="261" r:id="rId9"/>
+    <p:sldId id="264" r:id="rId10"/>
+    <p:sldId id="259" r:id="rId11"/>
+    <p:sldId id="258" r:id="rId12"/>
+    <p:sldId id="268" r:id="rId13"/>
+    <p:sldId id="269" r:id="rId14"/>
+    <p:sldId id="270" r:id="rId15"/>
   </p:sldIdLst>
   <p:sldSz cx="12192000" cy="6858000"/>
   <p:notesSz cx="6858000" cy="9144000"/>
@@ -3686,6 +3687,207 @@
           <p:cNvPr id="2" name="제목 1">
             <a:extLst>
               <a:ext uri="{FF2B5EF4-FFF2-40B4-BE49-F238E27FC236}">
+                <a16:creationId xmlns:a16="http://schemas.microsoft.com/office/drawing/2014/main" id="{42E267F6-2C0A-42BB-85E4-0EF75FE4B323}"/>
+              </a:ext>
+            </a:extLst>
+          </p:cNvPr>
+          <p:cNvSpPr>
+            <a:spLocks noGrp="1"/>
+          </p:cNvSpPr>
+          <p:nvPr>
+            <p:ph type="title"/>
+          </p:nvPr>
+        </p:nvSpPr>
+        <p:spPr/>
+        <p:txBody>
+          <a:bodyPr/>
+          <a:lstStyle/>
+          <a:p>
+            <a:r>
+              <a:rPr lang="ko-KR" altLang="en-US" dirty="0" err="1"/>
+              <a:t>유티니와</a:t>
+            </a:r>
+            <a:r>
+              <a:rPr lang="ko-KR" altLang="en-US" dirty="0"/>
+              <a:t> 통신</a:t>
+            </a:r>
+            <a:r>
+              <a:rPr lang="en-US" altLang="ko-KR" dirty="0"/>
+              <a:t>.</a:t>
+            </a:r>
+            <a:endParaRPr lang="ko-KR" altLang="en-US" dirty="0"/>
+          </a:p>
+        </p:txBody>
+      </p:sp>
+      <p:pic>
+        <p:nvPicPr>
+          <p:cNvPr id="4" name="내용 개체 틀 3">
+            <a:extLst>
+              <a:ext uri="{FF2B5EF4-FFF2-40B4-BE49-F238E27FC236}">
+                <a16:creationId xmlns:a16="http://schemas.microsoft.com/office/drawing/2014/main" id="{D95D1556-9A93-4293-AA22-62ACB54B0449}"/>
+              </a:ext>
+            </a:extLst>
+          </p:cNvPr>
+          <p:cNvPicPr>
+            <a:picLocks noGrp="1" noChangeAspect="1"/>
+          </p:cNvPicPr>
+          <p:nvPr>
+            <p:ph idx="1"/>
+          </p:nvPr>
+        </p:nvPicPr>
+        <p:blipFill>
+          <a:blip r:embed="rId2"/>
+          <a:stretch>
+            <a:fillRect/>
+          </a:stretch>
+        </p:blipFill>
+        <p:spPr>
+          <a:xfrm>
+            <a:off x="3622696" y="3705015"/>
+            <a:ext cx="4314673" cy="2219143"/>
+          </a:xfrm>
+          <a:prstGeom prst="rect">
+            <a:avLst/>
+          </a:prstGeom>
+        </p:spPr>
+      </p:pic>
+      <p:pic>
+        <p:nvPicPr>
+          <p:cNvPr id="5" name="그림 4">
+            <a:extLst>
+              <a:ext uri="{FF2B5EF4-FFF2-40B4-BE49-F238E27FC236}">
+                <a16:creationId xmlns:a16="http://schemas.microsoft.com/office/drawing/2014/main" id="{32E05A66-6CD5-47C5-922D-73636EBEDF35}"/>
+              </a:ext>
+            </a:extLst>
+          </p:cNvPr>
+          <p:cNvPicPr>
+            <a:picLocks noChangeAspect="1"/>
+          </p:cNvPicPr>
+          <p:nvPr/>
+        </p:nvPicPr>
+        <p:blipFill>
+          <a:blip r:embed="rId3"/>
+          <a:stretch>
+            <a:fillRect/>
+          </a:stretch>
+        </p:blipFill>
+        <p:spPr>
+          <a:xfrm>
+            <a:off x="8260682" y="1508857"/>
+            <a:ext cx="3419127" cy="4415301"/>
+          </a:xfrm>
+          <a:prstGeom prst="rect">
+            <a:avLst/>
+          </a:prstGeom>
+        </p:spPr>
+      </p:pic>
+      <p:sp>
+        <p:nvSpPr>
+          <p:cNvPr id="6" name="제목 1">
+            <a:extLst>
+              <a:ext uri="{FF2B5EF4-FFF2-40B4-BE49-F238E27FC236}">
+                <a16:creationId xmlns:a16="http://schemas.microsoft.com/office/drawing/2014/main" id="{2B77CDC5-E6F3-4351-9800-5777FF445909}"/>
+              </a:ext>
+            </a:extLst>
+          </p:cNvPr>
+          <p:cNvSpPr txBox="1">
+            <a:spLocks/>
+          </p:cNvSpPr>
+          <p:nvPr/>
+        </p:nvSpPr>
+        <p:spPr>
+          <a:xfrm>
+            <a:off x="754930" y="1690688"/>
+            <a:ext cx="3779363" cy="1325563"/>
+          </a:xfrm>
+          <a:prstGeom prst="rect">
+            <a:avLst/>
+          </a:prstGeom>
+        </p:spPr>
+        <p:txBody>
+          <a:bodyPr vert="horz" lIns="91440" tIns="45720" rIns="91440" bIns="45720" rtlCol="0" anchor="ctr">
+            <a:normAutofit/>
+          </a:bodyPr>
+          <a:lstStyle>
+            <a:lvl1pPr algn="l" defTabSz="914400" rtl="0" eaLnBrk="1" latinLnBrk="1" hangingPunct="1">
+              <a:lnSpc>
+                <a:spcPct val="90000"/>
+              </a:lnSpc>
+              <a:spcBef>
+                <a:spcPct val="0"/>
+              </a:spcBef>
+              <a:buNone/>
+              <a:defRPr sz="4400" kern="1200">
+                <a:solidFill>
+                  <a:schemeClr val="tx1"/>
+                </a:solidFill>
+                <a:latin typeface="+mj-lt"/>
+                <a:ea typeface="+mj-ea"/>
+                <a:cs typeface="+mj-cs"/>
+              </a:defRPr>
+            </a:lvl1pPr>
+          </a:lstStyle>
+          <a:p>
+            <a:r>
+              <a:rPr lang="ko-KR" altLang="en-US" sz="2400" dirty="0"/>
+              <a:t>구조체를 통한 패킷 정의</a:t>
+            </a:r>
+            <a:r>
+              <a:rPr lang="en-US" altLang="ko-KR" sz="2400" dirty="0"/>
+              <a:t>.</a:t>
+            </a:r>
+          </a:p>
+          <a:p>
+            <a:endParaRPr lang="en-US" altLang="ko-KR" sz="2400" dirty="0"/>
+          </a:p>
+          <a:p>
+            <a:r>
+              <a:rPr lang="ko-KR" altLang="en-US" sz="2400" dirty="0"/>
+              <a:t>몇가지 주의 사항</a:t>
+            </a:r>
+            <a:r>
+              <a:rPr lang="en-US" altLang="ko-KR" sz="2400" dirty="0"/>
+              <a:t>.</a:t>
+            </a:r>
+            <a:endParaRPr lang="ko-KR" altLang="en-US" sz="2800" dirty="0"/>
+          </a:p>
+        </p:txBody>
+      </p:sp>
+    </p:spTree>
+    <p:extLst>
+      <p:ext uri="{BB962C8B-B14F-4D97-AF65-F5344CB8AC3E}">
+        <p14:creationId xmlns:p14="http://schemas.microsoft.com/office/powerpoint/2010/main" val="3123875694"/>
+      </p:ext>
+    </p:extLst>
+  </p:cSld>
+  <p:clrMapOvr>
+    <a:masterClrMapping/>
+  </p:clrMapOvr>
+</p:sld>
+</file>
+
+<file path=ppt/slides/slide11.xml><?xml version="1.0" encoding="utf-8"?>
+<p:sld xmlns:a="http://schemas.openxmlformats.org/drawingml/2006/main" xmlns:r="http://schemas.openxmlformats.org/officeDocument/2006/relationships" xmlns:p="http://schemas.openxmlformats.org/presentationml/2006/main">
+  <p:cSld>
+    <p:spTree>
+      <p:nvGrpSpPr>
+        <p:cNvPr id="1" name=""/>
+        <p:cNvGrpSpPr/>
+        <p:nvPr/>
+      </p:nvGrpSpPr>
+      <p:grpSpPr>
+        <a:xfrm>
+          <a:off x="0" y="0"/>
+          <a:ext cx="0" cy="0"/>
+          <a:chOff x="0" y="0"/>
+          <a:chExt cx="0" cy="0"/>
+        </a:xfrm>
+      </p:grpSpPr>
+      <p:sp>
+        <p:nvSpPr>
+          <p:cNvPr id="2" name="제목 1">
+            <a:extLst>
+              <a:ext uri="{FF2B5EF4-FFF2-40B4-BE49-F238E27FC236}">
                 <a16:creationId xmlns:a16="http://schemas.microsoft.com/office/drawing/2014/main" id="{A386438F-DDD4-4733-8B4F-39DFB83BDD10}"/>
               </a:ext>
             </a:extLst>
@@ -3873,7 +4075,7 @@
 </p:sld>
 </file>
 
-<file path=ppt/slides/slide11.xml><?xml version="1.0" encoding="utf-8"?>
+<file path=ppt/slides/slide12.xml><?xml version="1.0" encoding="utf-8"?>
 <p:sld xmlns:a="http://schemas.openxmlformats.org/drawingml/2006/main" xmlns:r="http://schemas.openxmlformats.org/officeDocument/2006/relationships" xmlns:p="http://schemas.openxmlformats.org/presentationml/2006/main">
   <p:cSld>
     <p:spTree>
@@ -4054,7 +4256,7 @@
 </p:sld>
 </file>
 
-<file path=ppt/slides/slide12.xml><?xml version="1.0" encoding="utf-8"?>
+<file path=ppt/slides/slide13.xml><?xml version="1.0" encoding="utf-8"?>
 <p:sld xmlns:a="http://schemas.openxmlformats.org/drawingml/2006/main" xmlns:r="http://schemas.openxmlformats.org/officeDocument/2006/relationships" xmlns:p="http://schemas.openxmlformats.org/presentationml/2006/main">
   <p:cSld>
     <p:spTree>
@@ -4214,7 +4416,7 @@
 </p:sld>
 </file>
 
-<file path=ppt/slides/slide13.xml><?xml version="1.0" encoding="utf-8"?>
+<file path=ppt/slides/slide14.xml><?xml version="1.0" encoding="utf-8"?>
 <p:sld xmlns:a="http://schemas.openxmlformats.org/drawingml/2006/main" xmlns:r="http://schemas.openxmlformats.org/officeDocument/2006/relationships" xmlns:p="http://schemas.openxmlformats.org/presentationml/2006/main">
   <p:cSld>
     <p:spTree>
@@ -8654,6 +8856,210 @@
           <p:cNvPr id="2" name="제목 1">
             <a:extLst>
               <a:ext uri="{FF2B5EF4-FFF2-40B4-BE49-F238E27FC236}">
+                <a16:creationId xmlns:a16="http://schemas.microsoft.com/office/drawing/2014/main" id="{A506DFCD-10DA-492E-A52B-A960CAC22877}"/>
+              </a:ext>
+            </a:extLst>
+          </p:cNvPr>
+          <p:cNvSpPr>
+            <a:spLocks noGrp="1"/>
+          </p:cNvSpPr>
+          <p:nvPr>
+            <p:ph type="title"/>
+          </p:nvPr>
+        </p:nvSpPr>
+        <p:spPr/>
+        <p:txBody>
+          <a:bodyPr/>
+          <a:lstStyle/>
+          <a:p>
+            <a:r>
+              <a:rPr lang="ko-KR" altLang="en-US" dirty="0"/>
+              <a:t>생태계</a:t>
+            </a:r>
+          </a:p>
+        </p:txBody>
+      </p:sp>
+      <p:sp>
+        <p:nvSpPr>
+          <p:cNvPr id="3" name="내용 개체 틀 2">
+            <a:extLst>
+              <a:ext uri="{FF2B5EF4-FFF2-40B4-BE49-F238E27FC236}">
+                <a16:creationId xmlns:a16="http://schemas.microsoft.com/office/drawing/2014/main" id="{0FE3750E-54E7-4E10-B9DA-88C9A1079734}"/>
+              </a:ext>
+            </a:extLst>
+          </p:cNvPr>
+          <p:cNvSpPr>
+            <a:spLocks noGrp="1"/>
+          </p:cNvSpPr>
+          <p:nvPr>
+            <p:ph idx="1"/>
+          </p:nvPr>
+        </p:nvSpPr>
+        <p:spPr/>
+        <p:txBody>
+          <a:bodyPr/>
+          <a:lstStyle/>
+          <a:p>
+            <a:r>
+              <a:rPr lang="en-US" altLang="ko-KR" dirty="0"/>
+              <a:t>1</a:t>
+            </a:r>
+            <a:r>
+              <a:rPr lang="ko-KR" altLang="en-US" dirty="0" err="1"/>
+              <a:t>번지역</a:t>
+            </a:r>
+            <a:r>
+              <a:rPr lang="en-US" altLang="ko-KR" dirty="0"/>
+              <a:t>-</a:t>
+            </a:r>
+            <a:r>
+              <a:rPr lang="ko-KR" altLang="en-US" dirty="0"/>
+              <a:t>고정 </a:t>
+            </a:r>
+            <a:r>
+              <a:rPr lang="ko-KR" altLang="en-US" dirty="0" err="1"/>
+              <a:t>후공</a:t>
+            </a:r>
+            <a:r>
+              <a:rPr lang="ko-KR" altLang="en-US" dirty="0"/>
+              <a:t> 몬스터 서식지 </a:t>
+            </a:r>
+            <a:endParaRPr lang="en-US" altLang="ko-KR" dirty="0"/>
+          </a:p>
+          <a:p>
+            <a:r>
+              <a:rPr lang="en-US" altLang="ko-KR" dirty="0"/>
+              <a:t>2</a:t>
+            </a:r>
+            <a:r>
+              <a:rPr lang="ko-KR" altLang="en-US" dirty="0" err="1"/>
+              <a:t>번지역</a:t>
+            </a:r>
+            <a:r>
+              <a:rPr lang="en-US" altLang="ko-KR" dirty="0"/>
+              <a:t>-</a:t>
+            </a:r>
+            <a:r>
+              <a:rPr lang="ko-KR" altLang="en-US" dirty="0"/>
+              <a:t>로밍 </a:t>
+            </a:r>
+            <a:r>
+              <a:rPr lang="ko-KR" altLang="en-US" dirty="0" err="1"/>
+              <a:t>후공</a:t>
+            </a:r>
+            <a:r>
+              <a:rPr lang="ko-KR" altLang="en-US" dirty="0"/>
+              <a:t> 몬스터 서식지</a:t>
+            </a:r>
+            <a:endParaRPr lang="en-US" altLang="ko-KR" dirty="0"/>
+          </a:p>
+          <a:p>
+            <a:r>
+              <a:rPr lang="en-US" altLang="ko-KR" dirty="0"/>
+              <a:t>3</a:t>
+            </a:r>
+            <a:r>
+              <a:rPr lang="ko-KR" altLang="en-US" dirty="0" err="1"/>
+              <a:t>번지역</a:t>
+            </a:r>
+            <a:r>
+              <a:rPr lang="en-US" altLang="ko-KR" dirty="0"/>
+              <a:t>-</a:t>
+            </a:r>
+            <a:r>
+              <a:rPr lang="ko-KR" altLang="en-US" dirty="0"/>
+              <a:t>고정 선공 몬스터 서식지 </a:t>
+            </a:r>
+            <a:endParaRPr lang="en-US" altLang="ko-KR" dirty="0"/>
+          </a:p>
+          <a:p>
+            <a:r>
+              <a:rPr lang="en-US" altLang="ko-KR" dirty="0"/>
+              <a:t>4</a:t>
+            </a:r>
+            <a:r>
+              <a:rPr lang="ko-KR" altLang="en-US" dirty="0" err="1"/>
+              <a:t>번지역</a:t>
+            </a:r>
+            <a:r>
+              <a:rPr lang="en-US" altLang="ko-KR" dirty="0"/>
+              <a:t>-</a:t>
+            </a:r>
+            <a:r>
+              <a:rPr lang="ko-KR" altLang="en-US" dirty="0"/>
+              <a:t>로밍 선공 몬스터 서식지</a:t>
+            </a:r>
+          </a:p>
+          <a:p>
+            <a:endParaRPr lang="ko-KR" altLang="en-US" dirty="0"/>
+          </a:p>
+        </p:txBody>
+      </p:sp>
+      <p:pic>
+        <p:nvPicPr>
+          <p:cNvPr id="4" name="그림 3">
+            <a:extLst>
+              <a:ext uri="{FF2B5EF4-FFF2-40B4-BE49-F238E27FC236}">
+                <a16:creationId xmlns:a16="http://schemas.microsoft.com/office/drawing/2014/main" id="{61DADF65-B84C-4F1E-91A3-C11181612C20}"/>
+              </a:ext>
+            </a:extLst>
+          </p:cNvPr>
+          <p:cNvPicPr>
+            <a:picLocks noChangeAspect="1"/>
+          </p:cNvPicPr>
+          <p:nvPr/>
+        </p:nvPicPr>
+        <p:blipFill>
+          <a:blip r:embed="rId2"/>
+          <a:stretch>
+            <a:fillRect/>
+          </a:stretch>
+        </p:blipFill>
+        <p:spPr>
+          <a:xfrm>
+            <a:off x="7165979" y="1825625"/>
+            <a:ext cx="4702368" cy="4311022"/>
+          </a:xfrm>
+          <a:prstGeom prst="rect">
+            <a:avLst/>
+          </a:prstGeom>
+        </p:spPr>
+      </p:pic>
+    </p:spTree>
+    <p:extLst>
+      <p:ext uri="{BB962C8B-B14F-4D97-AF65-F5344CB8AC3E}">
+        <p14:creationId xmlns:p14="http://schemas.microsoft.com/office/powerpoint/2010/main" val="353449889"/>
+      </p:ext>
+    </p:extLst>
+  </p:cSld>
+  <p:clrMapOvr>
+    <a:masterClrMapping/>
+  </p:clrMapOvr>
+</p:sld>
+</file>
+
+<file path=ppt/slides/slide8.xml><?xml version="1.0" encoding="utf-8"?>
+<p:sld xmlns:a="http://schemas.openxmlformats.org/drawingml/2006/main" xmlns:r="http://schemas.openxmlformats.org/officeDocument/2006/relationships" xmlns:p="http://schemas.openxmlformats.org/presentationml/2006/main">
+  <p:cSld>
+    <p:spTree>
+      <p:nvGrpSpPr>
+        <p:cNvPr id="1" name=""/>
+        <p:cNvGrpSpPr/>
+        <p:nvPr/>
+      </p:nvGrpSpPr>
+      <p:grpSpPr>
+        <a:xfrm>
+          <a:off x="0" y="0"/>
+          <a:ext cx="0" cy="0"/>
+          <a:chOff x="0" y="0"/>
+          <a:chExt cx="0" cy="0"/>
+        </a:xfrm>
+      </p:grpSpPr>
+      <p:sp>
+        <p:nvSpPr>
+          <p:cNvPr id="2" name="제목 1">
+            <a:extLst>
+              <a:ext uri="{FF2B5EF4-FFF2-40B4-BE49-F238E27FC236}">
                 <a16:creationId xmlns:a16="http://schemas.microsoft.com/office/drawing/2014/main" id="{6F5D0256-2094-460E-AACA-12610E96579C}"/>
               </a:ext>
             </a:extLst>
@@ -8998,7 +9404,7 @@
 </p:sld>
 </file>
 
-<file path=ppt/slides/slide8.xml><?xml version="1.0" encoding="utf-8"?>
+<file path=ppt/slides/slide9.xml><?xml version="1.0" encoding="utf-8"?>
 <p:sld xmlns:a="http://schemas.openxmlformats.org/drawingml/2006/main" xmlns:r="http://schemas.openxmlformats.org/officeDocument/2006/relationships" xmlns:p="http://schemas.openxmlformats.org/presentationml/2006/main">
   <p:cSld>
     <p:spTree>
@@ -9395,207 +9801,6 @@
     <p:extLst>
       <p:ext uri="{BB962C8B-B14F-4D97-AF65-F5344CB8AC3E}">
         <p14:creationId xmlns:p14="http://schemas.microsoft.com/office/powerpoint/2010/main" val="3716037997"/>
-      </p:ext>
-    </p:extLst>
-  </p:cSld>
-  <p:clrMapOvr>
-    <a:masterClrMapping/>
-  </p:clrMapOvr>
-</p:sld>
-</file>
-
-<file path=ppt/slides/slide9.xml><?xml version="1.0" encoding="utf-8"?>
-<p:sld xmlns:a="http://schemas.openxmlformats.org/drawingml/2006/main" xmlns:r="http://schemas.openxmlformats.org/officeDocument/2006/relationships" xmlns:p="http://schemas.openxmlformats.org/presentationml/2006/main">
-  <p:cSld>
-    <p:spTree>
-      <p:nvGrpSpPr>
-        <p:cNvPr id="1" name=""/>
-        <p:cNvGrpSpPr/>
-        <p:nvPr/>
-      </p:nvGrpSpPr>
-      <p:grpSpPr>
-        <a:xfrm>
-          <a:off x="0" y="0"/>
-          <a:ext cx="0" cy="0"/>
-          <a:chOff x="0" y="0"/>
-          <a:chExt cx="0" cy="0"/>
-        </a:xfrm>
-      </p:grpSpPr>
-      <p:sp>
-        <p:nvSpPr>
-          <p:cNvPr id="2" name="제목 1">
-            <a:extLst>
-              <a:ext uri="{FF2B5EF4-FFF2-40B4-BE49-F238E27FC236}">
-                <a16:creationId xmlns:a16="http://schemas.microsoft.com/office/drawing/2014/main" id="{42E267F6-2C0A-42BB-85E4-0EF75FE4B323}"/>
-              </a:ext>
-            </a:extLst>
-          </p:cNvPr>
-          <p:cNvSpPr>
-            <a:spLocks noGrp="1"/>
-          </p:cNvSpPr>
-          <p:nvPr>
-            <p:ph type="title"/>
-          </p:nvPr>
-        </p:nvSpPr>
-        <p:spPr/>
-        <p:txBody>
-          <a:bodyPr/>
-          <a:lstStyle/>
-          <a:p>
-            <a:r>
-              <a:rPr lang="ko-KR" altLang="en-US" dirty="0" err="1"/>
-              <a:t>유티니와</a:t>
-            </a:r>
-            <a:r>
-              <a:rPr lang="ko-KR" altLang="en-US" dirty="0"/>
-              <a:t> 통신</a:t>
-            </a:r>
-            <a:r>
-              <a:rPr lang="en-US" altLang="ko-KR" dirty="0"/>
-              <a:t>.</a:t>
-            </a:r>
-            <a:endParaRPr lang="ko-KR" altLang="en-US" dirty="0"/>
-          </a:p>
-        </p:txBody>
-      </p:sp>
-      <p:pic>
-        <p:nvPicPr>
-          <p:cNvPr id="4" name="내용 개체 틀 3">
-            <a:extLst>
-              <a:ext uri="{FF2B5EF4-FFF2-40B4-BE49-F238E27FC236}">
-                <a16:creationId xmlns:a16="http://schemas.microsoft.com/office/drawing/2014/main" id="{D95D1556-9A93-4293-AA22-62ACB54B0449}"/>
-              </a:ext>
-            </a:extLst>
-          </p:cNvPr>
-          <p:cNvPicPr>
-            <a:picLocks noGrp="1" noChangeAspect="1"/>
-          </p:cNvPicPr>
-          <p:nvPr>
-            <p:ph idx="1"/>
-          </p:nvPr>
-        </p:nvPicPr>
-        <p:blipFill>
-          <a:blip r:embed="rId2"/>
-          <a:stretch>
-            <a:fillRect/>
-          </a:stretch>
-        </p:blipFill>
-        <p:spPr>
-          <a:xfrm>
-            <a:off x="3622696" y="3705015"/>
-            <a:ext cx="4314673" cy="2219143"/>
-          </a:xfrm>
-          <a:prstGeom prst="rect">
-            <a:avLst/>
-          </a:prstGeom>
-        </p:spPr>
-      </p:pic>
-      <p:pic>
-        <p:nvPicPr>
-          <p:cNvPr id="5" name="그림 4">
-            <a:extLst>
-              <a:ext uri="{FF2B5EF4-FFF2-40B4-BE49-F238E27FC236}">
-                <a16:creationId xmlns:a16="http://schemas.microsoft.com/office/drawing/2014/main" id="{32E05A66-6CD5-47C5-922D-73636EBEDF35}"/>
-              </a:ext>
-            </a:extLst>
-          </p:cNvPr>
-          <p:cNvPicPr>
-            <a:picLocks noChangeAspect="1"/>
-          </p:cNvPicPr>
-          <p:nvPr/>
-        </p:nvPicPr>
-        <p:blipFill>
-          <a:blip r:embed="rId3"/>
-          <a:stretch>
-            <a:fillRect/>
-          </a:stretch>
-        </p:blipFill>
-        <p:spPr>
-          <a:xfrm>
-            <a:off x="8260682" y="1508857"/>
-            <a:ext cx="3419127" cy="4415301"/>
-          </a:xfrm>
-          <a:prstGeom prst="rect">
-            <a:avLst/>
-          </a:prstGeom>
-        </p:spPr>
-      </p:pic>
-      <p:sp>
-        <p:nvSpPr>
-          <p:cNvPr id="6" name="제목 1">
-            <a:extLst>
-              <a:ext uri="{FF2B5EF4-FFF2-40B4-BE49-F238E27FC236}">
-                <a16:creationId xmlns:a16="http://schemas.microsoft.com/office/drawing/2014/main" id="{2B77CDC5-E6F3-4351-9800-5777FF445909}"/>
-              </a:ext>
-            </a:extLst>
-          </p:cNvPr>
-          <p:cNvSpPr txBox="1">
-            <a:spLocks/>
-          </p:cNvSpPr>
-          <p:nvPr/>
-        </p:nvSpPr>
-        <p:spPr>
-          <a:xfrm>
-            <a:off x="754930" y="1690688"/>
-            <a:ext cx="3779363" cy="1325563"/>
-          </a:xfrm>
-          <a:prstGeom prst="rect">
-            <a:avLst/>
-          </a:prstGeom>
-        </p:spPr>
-        <p:txBody>
-          <a:bodyPr vert="horz" lIns="91440" tIns="45720" rIns="91440" bIns="45720" rtlCol="0" anchor="ctr">
-            <a:normAutofit/>
-          </a:bodyPr>
-          <a:lstStyle>
-            <a:lvl1pPr algn="l" defTabSz="914400" rtl="0" eaLnBrk="1" latinLnBrk="1" hangingPunct="1">
-              <a:lnSpc>
-                <a:spcPct val="90000"/>
-              </a:lnSpc>
-              <a:spcBef>
-                <a:spcPct val="0"/>
-              </a:spcBef>
-              <a:buNone/>
-              <a:defRPr sz="4400" kern="1200">
-                <a:solidFill>
-                  <a:schemeClr val="tx1"/>
-                </a:solidFill>
-                <a:latin typeface="+mj-lt"/>
-                <a:ea typeface="+mj-ea"/>
-                <a:cs typeface="+mj-cs"/>
-              </a:defRPr>
-            </a:lvl1pPr>
-          </a:lstStyle>
-          <a:p>
-            <a:r>
-              <a:rPr lang="ko-KR" altLang="en-US" sz="2400" dirty="0"/>
-              <a:t>구조체를 통한 패킷 정의</a:t>
-            </a:r>
-            <a:r>
-              <a:rPr lang="en-US" altLang="ko-KR" sz="2400" dirty="0"/>
-              <a:t>.</a:t>
-            </a:r>
-          </a:p>
-          <a:p>
-            <a:endParaRPr lang="en-US" altLang="ko-KR" sz="2400" dirty="0"/>
-          </a:p>
-          <a:p>
-            <a:r>
-              <a:rPr lang="ko-KR" altLang="en-US" sz="2400" dirty="0"/>
-              <a:t>몇가지 주의 사항</a:t>
-            </a:r>
-            <a:r>
-              <a:rPr lang="en-US" altLang="ko-KR" sz="2400" dirty="0"/>
-              <a:t>.</a:t>
-            </a:r>
-            <a:endParaRPr lang="ko-KR" altLang="en-US" sz="2800" dirty="0"/>
-          </a:p>
-        </p:txBody>
-      </p:sp>
-    </p:spTree>
-    <p:extLst>
-      <p:ext uri="{BB962C8B-B14F-4D97-AF65-F5344CB8AC3E}">
-        <p14:creationId xmlns:p14="http://schemas.microsoft.com/office/powerpoint/2010/main" val="3123875694"/>
       </p:ext>
     </p:extLst>
   </p:cSld>

--- a/2016184041 프로젝트 설명서.pptx
+++ b/2016184041 프로젝트 설명서.pptx
@@ -18,7 +18,8 @@
     <p:sldId id="258" r:id="rId12"/>
     <p:sldId id="268" r:id="rId13"/>
     <p:sldId id="269" r:id="rId14"/>
-    <p:sldId id="270" r:id="rId15"/>
+    <p:sldId id="272" r:id="rId15"/>
+    <p:sldId id="270" r:id="rId16"/>
   </p:sldIdLst>
   <p:sldSz cx="12192000" cy="6858000"/>
   <p:notesSz cx="6858000" cy="9144000"/>
@@ -4289,7 +4290,12 @@
             <p:ph type="title"/>
           </p:nvPr>
         </p:nvSpPr>
-        <p:spPr/>
+        <p:spPr>
+          <a:xfrm>
+            <a:off x="838200" y="374552"/>
+            <a:ext cx="10515600" cy="1325563"/>
+          </a:xfrm>
+        </p:spPr>
         <p:txBody>
           <a:bodyPr/>
           <a:lstStyle/>
@@ -4305,14 +4311,6 @@
             <a:r>
               <a:rPr lang="en-US" altLang="ko-KR" dirty="0"/>
               <a:t>.					</a:t>
-            </a:r>
-            <a:r>
-              <a:rPr lang="ko-KR" altLang="en-US" dirty="0"/>
-              <a:t>서버 실행</a:t>
-            </a:r>
-            <a:r>
-              <a:rPr lang="en-US" altLang="ko-KR" dirty="0"/>
-              <a:t>.</a:t>
             </a:r>
             <a:endParaRPr lang="ko-KR" altLang="en-US" dirty="0"/>
           </a:p>
@@ -4334,12 +4332,43 @@
             <p:ph idx="1"/>
           </p:nvPr>
         </p:nvSpPr>
-        <p:spPr/>
-        <p:txBody>
-          <a:bodyPr/>
+        <p:spPr>
+          <a:xfrm>
+            <a:off x="838200" y="1825624"/>
+            <a:ext cx="10515600" cy="5329319"/>
+          </a:xfrm>
+        </p:spPr>
+        <p:txBody>
+          <a:bodyPr>
+            <a:normAutofit/>
+          </a:bodyPr>
           <a:lstStyle/>
           <a:p>
-            <a:endParaRPr lang="ko-KR" altLang="en-US" dirty="0"/>
+            <a:endParaRPr lang="en-US" altLang="ko-KR" dirty="0"/>
+          </a:p>
+          <a:p>
+            <a:endParaRPr lang="en-US" altLang="ko-KR" dirty="0"/>
+          </a:p>
+          <a:p>
+            <a:endParaRPr lang="en-US" altLang="ko-KR" dirty="0"/>
+          </a:p>
+          <a:p>
+            <a:endParaRPr lang="en-US" altLang="ko-KR" dirty="0"/>
+          </a:p>
+          <a:p>
+            <a:endParaRPr lang="en-US" altLang="ko-KR" dirty="0"/>
+          </a:p>
+          <a:p>
+            <a:endParaRPr lang="en-US" altLang="ko-KR" dirty="0"/>
+          </a:p>
+          <a:p>
+            <a:endParaRPr lang="en-US" altLang="ko-KR" dirty="0"/>
+          </a:p>
+          <a:p>
+            <a:endParaRPr lang="en-US" altLang="ko-KR" dirty="0"/>
+          </a:p>
+          <a:p>
+            <a:endParaRPr lang="en-US" altLang="ko-KR" dirty="0"/>
           </a:p>
         </p:txBody>
       </p:sp>
@@ -4365,7 +4394,7 @@
         </p:blipFill>
         <p:spPr>
           <a:xfrm>
-            <a:off x="838200" y="1961945"/>
+            <a:off x="4580641" y="693769"/>
             <a:ext cx="4086795" cy="1467055"/>
           </a:xfrm>
           <a:prstGeom prst="rect">
@@ -4375,10 +4404,10 @@
       </p:pic>
       <p:pic>
         <p:nvPicPr>
-          <p:cNvPr id="5" name="그림 4">
-            <a:extLst>
-              <a:ext uri="{FF2B5EF4-FFF2-40B4-BE49-F238E27FC236}">
-                <a16:creationId xmlns:a16="http://schemas.microsoft.com/office/drawing/2014/main" id="{967DA5D6-DB7B-48AB-B6DC-431D80E0ADE9}"/>
+          <p:cNvPr id="7" name="그림 6">
+            <a:extLst>
+              <a:ext uri="{FF2B5EF4-FFF2-40B4-BE49-F238E27FC236}">
+                <a16:creationId xmlns:a16="http://schemas.microsoft.com/office/drawing/2014/main" id="{24618D69-DE79-45A9-B8F9-12F1A5EFB51F}"/>
               </a:ext>
             </a:extLst>
           </p:cNvPr>
@@ -4395,14 +4424,86 @@
         </p:blipFill>
         <p:spPr>
           <a:xfrm>
-            <a:off x="6945536" y="1825625"/>
-            <a:ext cx="4296375" cy="1371791"/>
+            <a:off x="733719" y="1888464"/>
+            <a:ext cx="3846922" cy="3081072"/>
           </a:xfrm>
           <a:prstGeom prst="rect">
             <a:avLst/>
           </a:prstGeom>
         </p:spPr>
       </p:pic>
+      <p:sp>
+        <p:nvSpPr>
+          <p:cNvPr id="8" name="TextBox 7">
+            <a:extLst>
+              <a:ext uri="{FF2B5EF4-FFF2-40B4-BE49-F238E27FC236}">
+                <a16:creationId xmlns:a16="http://schemas.microsoft.com/office/drawing/2014/main" id="{B1FFF4C3-EED6-4DC1-926E-55B5D7E50631}"/>
+              </a:ext>
+            </a:extLst>
+          </p:cNvPr>
+          <p:cNvSpPr txBox="1"/>
+          <p:nvPr/>
+        </p:nvSpPr>
+        <p:spPr>
+          <a:xfrm>
+            <a:off x="-4150127" y="5329286"/>
+            <a:ext cx="10944519" cy="2308324"/>
+          </a:xfrm>
+          <a:prstGeom prst="rect">
+            <a:avLst/>
+          </a:prstGeom>
+          <a:noFill/>
+        </p:spPr>
+        <p:txBody>
+          <a:bodyPr wrap="square" rtlCol="0">
+            <a:spAutoFit/>
+          </a:bodyPr>
+          <a:lstStyle/>
+          <a:p>
+            <a:r>
+              <a:rPr lang="en-US" altLang="ko-KR" dirty="0"/>
+              <a:t>					</a:t>
+            </a:r>
+            <a:r>
+              <a:rPr lang="ko-KR" altLang="en-US" dirty="0" err="1"/>
+              <a:t>클라에선</a:t>
+            </a:r>
+            <a:r>
+              <a:rPr lang="ko-KR" altLang="en-US" dirty="0"/>
+              <a:t> 아무 아이디나 입력해 접속한다</a:t>
+            </a:r>
+            <a:r>
+              <a:rPr lang="en-US" altLang="ko-KR" dirty="0"/>
+              <a:t>.</a:t>
+            </a:r>
+          </a:p>
+          <a:p>
+            <a:endParaRPr lang="en-US" altLang="ko-KR" dirty="0"/>
+          </a:p>
+          <a:p>
+            <a:r>
+              <a:rPr lang="en-US" altLang="ko-KR" dirty="0"/>
+              <a:t>					</a:t>
+            </a:r>
+            <a:endParaRPr lang="ko-KR" altLang="en-US" dirty="0"/>
+          </a:p>
+          <a:p>
+            <a:endParaRPr lang="en-US" altLang="ko-KR" dirty="0"/>
+          </a:p>
+          <a:p>
+            <a:endParaRPr lang="en-US" altLang="ko-KR" dirty="0"/>
+          </a:p>
+          <a:p>
+            <a:endParaRPr lang="en-US" altLang="ko-KR" dirty="0"/>
+          </a:p>
+          <a:p>
+            <a:endParaRPr lang="en-US" altLang="ko-KR" dirty="0"/>
+          </a:p>
+          <a:p>
+            <a:endParaRPr lang="ko-KR" altLang="en-US" dirty="0"/>
+          </a:p>
+        </p:txBody>
+      </p:sp>
     </p:spTree>
     <p:extLst>
       <p:ext uri="{BB962C8B-B14F-4D97-AF65-F5344CB8AC3E}">
@@ -4417,6 +4518,223 @@
 </file>
 
 <file path=ppt/slides/slide14.xml><?xml version="1.0" encoding="utf-8"?>
+<p:sld xmlns:a="http://schemas.openxmlformats.org/drawingml/2006/main" xmlns:r="http://schemas.openxmlformats.org/officeDocument/2006/relationships" xmlns:p="http://schemas.openxmlformats.org/presentationml/2006/main">
+  <p:cSld>
+    <p:spTree>
+      <p:nvGrpSpPr>
+        <p:cNvPr id="1" name=""/>
+        <p:cNvGrpSpPr/>
+        <p:nvPr/>
+      </p:nvGrpSpPr>
+      <p:grpSpPr>
+        <a:xfrm>
+          <a:off x="0" y="0"/>
+          <a:ext cx="0" cy="0"/>
+          <a:chOff x="0" y="0"/>
+          <a:chExt cx="0" cy="0"/>
+        </a:xfrm>
+      </p:grpSpPr>
+      <p:sp>
+        <p:nvSpPr>
+          <p:cNvPr id="2" name="제목 1">
+            <a:extLst>
+              <a:ext uri="{FF2B5EF4-FFF2-40B4-BE49-F238E27FC236}">
+                <a16:creationId xmlns:a16="http://schemas.microsoft.com/office/drawing/2014/main" id="{77DDABB0-FFCC-4EEE-B9B3-3FAEF9C9DF15}"/>
+              </a:ext>
+            </a:extLst>
+          </p:cNvPr>
+          <p:cNvSpPr>
+            <a:spLocks noGrp="1"/>
+          </p:cNvSpPr>
+          <p:nvPr>
+            <p:ph type="title"/>
+          </p:nvPr>
+        </p:nvSpPr>
+        <p:spPr/>
+        <p:txBody>
+          <a:bodyPr/>
+          <a:lstStyle/>
+          <a:p>
+            <a:r>
+              <a:rPr lang="ko-KR" altLang="en-US" dirty="0"/>
+              <a:t>서버 실행</a:t>
+            </a:r>
+            <a:r>
+              <a:rPr lang="en-US" altLang="ko-KR" dirty="0"/>
+              <a:t>.</a:t>
+            </a:r>
+            <a:endParaRPr lang="ko-KR" altLang="en-US" dirty="0"/>
+          </a:p>
+        </p:txBody>
+      </p:sp>
+      <p:sp>
+        <p:nvSpPr>
+          <p:cNvPr id="3" name="내용 개체 틀 2">
+            <a:extLst>
+              <a:ext uri="{FF2B5EF4-FFF2-40B4-BE49-F238E27FC236}">
+                <a16:creationId xmlns:a16="http://schemas.microsoft.com/office/drawing/2014/main" id="{9F00D09A-9611-4C06-9518-D6AD7C0E4A21}"/>
+              </a:ext>
+            </a:extLst>
+          </p:cNvPr>
+          <p:cNvSpPr>
+            <a:spLocks noGrp="1"/>
+          </p:cNvSpPr>
+          <p:nvPr>
+            <p:ph idx="1"/>
+          </p:nvPr>
+        </p:nvSpPr>
+        <p:spPr>
+          <a:xfrm>
+            <a:off x="838200" y="1825624"/>
+            <a:ext cx="10515600" cy="4946367"/>
+          </a:xfrm>
+        </p:spPr>
+        <p:txBody>
+          <a:bodyPr>
+            <a:normAutofit/>
+          </a:bodyPr>
+          <a:lstStyle/>
+          <a:p>
+            <a:endParaRPr lang="en-US" altLang="ko-KR" dirty="0"/>
+          </a:p>
+          <a:p>
+            <a:endParaRPr lang="en-US" altLang="ko-KR" dirty="0"/>
+          </a:p>
+          <a:p>
+            <a:endParaRPr lang="en-US" altLang="ko-KR" dirty="0"/>
+          </a:p>
+          <a:p>
+            <a:endParaRPr lang="en-US" altLang="ko-KR" dirty="0"/>
+          </a:p>
+          <a:p>
+            <a:endParaRPr lang="en-US" altLang="ko-KR" dirty="0"/>
+          </a:p>
+          <a:p>
+            <a:endParaRPr lang="en-US" altLang="ko-KR" dirty="0"/>
+          </a:p>
+          <a:p>
+            <a:endParaRPr lang="en-US" altLang="ko-KR" dirty="0"/>
+          </a:p>
+          <a:p>
+            <a:endParaRPr lang="en-US" altLang="ko-KR" dirty="0"/>
+          </a:p>
+          <a:p>
+            <a:r>
+              <a:rPr lang="ko-KR" altLang="en-US" dirty="0"/>
+              <a:t>서버 준비 완료 상태</a:t>
+            </a:r>
+            <a:r>
+              <a:rPr lang="en-US" altLang="ko-KR" dirty="0"/>
+              <a:t>. ( </a:t>
+            </a:r>
+            <a:r>
+              <a:rPr lang="ko-KR" altLang="en-US" dirty="0" err="1"/>
+              <a:t>클라보다</a:t>
+            </a:r>
+            <a:r>
+              <a:rPr lang="ko-KR" altLang="en-US" dirty="0"/>
+              <a:t> 먼저 실행되어야 함</a:t>
+            </a:r>
+            <a:r>
+              <a:rPr lang="en-US" altLang="ko-KR"/>
+              <a:t>.)</a:t>
+            </a:r>
+            <a:endParaRPr lang="en-US" altLang="ko-KR" dirty="0"/>
+          </a:p>
+          <a:p>
+            <a:endParaRPr lang="en-US" altLang="ko-KR" dirty="0"/>
+          </a:p>
+          <a:p>
+            <a:endParaRPr lang="en-US" altLang="ko-KR" dirty="0"/>
+          </a:p>
+          <a:p>
+            <a:endParaRPr lang="en-US" altLang="ko-KR" dirty="0"/>
+          </a:p>
+          <a:p>
+            <a:endParaRPr lang="en-US" altLang="ko-KR" dirty="0"/>
+          </a:p>
+          <a:p>
+            <a:endParaRPr lang="en-US" altLang="ko-KR" dirty="0"/>
+          </a:p>
+          <a:p>
+            <a:endParaRPr lang="ko-KR" altLang="en-US" dirty="0"/>
+          </a:p>
+        </p:txBody>
+      </p:sp>
+      <p:pic>
+        <p:nvPicPr>
+          <p:cNvPr id="4" name="그림 3">
+            <a:extLst>
+              <a:ext uri="{FF2B5EF4-FFF2-40B4-BE49-F238E27FC236}">
+                <a16:creationId xmlns:a16="http://schemas.microsoft.com/office/drawing/2014/main" id="{F697F8A0-6A09-4F3F-AA37-0D7647DB760D}"/>
+              </a:ext>
+            </a:extLst>
+          </p:cNvPr>
+          <p:cNvPicPr>
+            <a:picLocks noChangeAspect="1"/>
+          </p:cNvPicPr>
+          <p:nvPr/>
+        </p:nvPicPr>
+        <p:blipFill>
+          <a:blip r:embed="rId2"/>
+          <a:stretch>
+            <a:fillRect/>
+          </a:stretch>
+        </p:blipFill>
+        <p:spPr>
+          <a:xfrm>
+            <a:off x="1185758" y="2183843"/>
+            <a:ext cx="4296375" cy="1371791"/>
+          </a:xfrm>
+          <a:prstGeom prst="rect">
+            <a:avLst/>
+          </a:prstGeom>
+        </p:spPr>
+      </p:pic>
+      <p:pic>
+        <p:nvPicPr>
+          <p:cNvPr id="5" name="그림 4">
+            <a:extLst>
+              <a:ext uri="{FF2B5EF4-FFF2-40B4-BE49-F238E27FC236}">
+                <a16:creationId xmlns:a16="http://schemas.microsoft.com/office/drawing/2014/main" id="{4C75EEA3-3A1C-43F0-AC0A-E581FDE4C88D}"/>
+              </a:ext>
+            </a:extLst>
+          </p:cNvPr>
+          <p:cNvPicPr>
+            <a:picLocks noChangeAspect="1"/>
+          </p:cNvPicPr>
+          <p:nvPr/>
+        </p:nvPicPr>
+        <p:blipFill>
+          <a:blip r:embed="rId3"/>
+          <a:stretch>
+            <a:fillRect/>
+          </a:stretch>
+        </p:blipFill>
+        <p:spPr>
+          <a:xfrm>
+            <a:off x="1185758" y="3787218"/>
+            <a:ext cx="4408264" cy="2133898"/>
+          </a:xfrm>
+          <a:prstGeom prst="rect">
+            <a:avLst/>
+          </a:prstGeom>
+        </p:spPr>
+      </p:pic>
+    </p:spTree>
+    <p:extLst>
+      <p:ext uri="{BB962C8B-B14F-4D97-AF65-F5344CB8AC3E}">
+        <p14:creationId xmlns:p14="http://schemas.microsoft.com/office/powerpoint/2010/main" val="3783028892"/>
+      </p:ext>
+    </p:extLst>
+  </p:cSld>
+  <p:clrMapOvr>
+    <a:masterClrMapping/>
+  </p:clrMapOvr>
+</p:sld>
+</file>
+
+<file path=ppt/slides/slide15.xml><?xml version="1.0" encoding="utf-8"?>
 <p:sld xmlns:a="http://schemas.openxmlformats.org/drawingml/2006/main" xmlns:r="http://schemas.openxmlformats.org/officeDocument/2006/relationships" xmlns:p="http://schemas.openxmlformats.org/presentationml/2006/main">
   <p:cSld>
     <p:spTree>
